--- a/Word/Diagrams/chapter6/Images.pptx
+++ b/Word/Diagrams/chapter6/Images.pptx
@@ -225,7 +225,7 @@
           <a:p>
             <a:fld id="{9CCF083D-F2BC-4786-8C77-844DFCD3515B}" type="datetimeFigureOut">
               <a:rPr lang="zh-TW" altLang="en-US" smtClean="0"/>
-              <a:t>2015/7/24</a:t>
+              <a:t>2021/5/13</a:t>
             </a:fld>
             <a:endParaRPr lang="zh-TW" altLang="en-US"/>
           </a:p>
@@ -289,35 +289,35 @@
           <a:p>
             <a:pPr lvl="0"/>
             <a:r>
-              <a:rPr lang="en-US" altLang="zh-TW" smtClean="0"/>
+              <a:rPr lang="en-US" altLang="zh-TW"/>
               <a:t>Click to edit Master text styles</a:t>
             </a:r>
           </a:p>
           <a:p>
             <a:pPr lvl="1"/>
             <a:r>
-              <a:rPr lang="en-US" altLang="zh-TW" smtClean="0"/>
+              <a:rPr lang="en-US" altLang="zh-TW"/>
               <a:t>Second level</a:t>
             </a:r>
           </a:p>
           <a:p>
             <a:pPr lvl="2"/>
             <a:r>
-              <a:rPr lang="en-US" altLang="zh-TW" smtClean="0"/>
+              <a:rPr lang="en-US" altLang="zh-TW"/>
               <a:t>Third level</a:t>
             </a:r>
           </a:p>
           <a:p>
             <a:pPr lvl="3"/>
             <a:r>
-              <a:rPr lang="en-US" altLang="zh-TW" smtClean="0"/>
+              <a:rPr lang="en-US" altLang="zh-TW"/>
               <a:t>Fourth level</a:t>
             </a:r>
           </a:p>
           <a:p>
             <a:pPr lvl="4"/>
             <a:r>
-              <a:rPr lang="en-US" altLang="zh-TW" smtClean="0"/>
+              <a:rPr lang="en-US" altLang="zh-TW"/>
               <a:t>Fifth level</a:t>
             </a:r>
             <a:endParaRPr lang="zh-TW" altLang="en-US"/>
@@ -531,10 +531,9 @@
           <a:lstStyle/>
           <a:p>
             <a:r>
-              <a:rPr lang="en-US" smtClean="0"/>
+              <a:rPr lang="en-US"/>
               <a:t>Click to edit Master title style</a:t>
             </a:r>
-            <a:endParaRPr lang="en-US"/>
           </a:p>
         </p:txBody>
       </p:sp>
@@ -650,10 +649,9 @@
           </a:lstStyle>
           <a:p>
             <a:r>
-              <a:rPr lang="en-US" smtClean="0"/>
+              <a:rPr lang="en-US"/>
               <a:t>Click to edit Master subtitle style</a:t>
             </a:r>
-            <a:endParaRPr lang="en-US"/>
           </a:p>
         </p:txBody>
       </p:sp>
@@ -674,7 +672,7 @@
           <a:p>
             <a:fld id="{E3D07B0C-BD95-41BE-BB3E-AC75822DF381}" type="datetimeFigureOut">
               <a:rPr lang="en-US" smtClean="0"/>
-              <a:t>7/24/2015</a:t>
+              <a:t>5/13/2021</a:t>
             </a:fld>
             <a:endParaRPr lang="en-US"/>
           </a:p>
@@ -768,10 +766,9 @@
           <a:lstStyle/>
           <a:p>
             <a:r>
-              <a:rPr lang="en-US" smtClean="0"/>
+              <a:rPr lang="en-US"/>
               <a:t>Click to edit Master title style</a:t>
             </a:r>
-            <a:endParaRPr lang="en-US"/>
           </a:p>
         </p:txBody>
       </p:sp>
@@ -792,38 +789,37 @@
           <a:p>
             <a:pPr lvl="0"/>
             <a:r>
-              <a:rPr lang="en-US" smtClean="0"/>
+              <a:rPr lang="en-US"/>
               <a:t>Click to edit Master text styles</a:t>
             </a:r>
           </a:p>
           <a:p>
             <a:pPr lvl="1"/>
             <a:r>
-              <a:rPr lang="en-US" smtClean="0"/>
+              <a:rPr lang="en-US"/>
               <a:t>Second level</a:t>
             </a:r>
           </a:p>
           <a:p>
             <a:pPr lvl="2"/>
             <a:r>
-              <a:rPr lang="en-US" smtClean="0"/>
+              <a:rPr lang="en-US"/>
               <a:t>Third level</a:t>
             </a:r>
           </a:p>
           <a:p>
             <a:pPr lvl="3"/>
             <a:r>
-              <a:rPr lang="en-US" smtClean="0"/>
+              <a:rPr lang="en-US"/>
               <a:t>Fourth level</a:t>
             </a:r>
           </a:p>
           <a:p>
             <a:pPr lvl="4"/>
             <a:r>
-              <a:rPr lang="en-US" smtClean="0"/>
+              <a:rPr lang="en-US"/>
               <a:t>Fifth level</a:t>
             </a:r>
-            <a:endParaRPr lang="en-US"/>
           </a:p>
         </p:txBody>
       </p:sp>
@@ -844,7 +840,7 @@
           <a:p>
             <a:fld id="{E3D07B0C-BD95-41BE-BB3E-AC75822DF381}" type="datetimeFigureOut">
               <a:rPr lang="en-US" smtClean="0"/>
-              <a:t>7/24/2015</a:t>
+              <a:t>5/13/2021</a:t>
             </a:fld>
             <a:endParaRPr lang="en-US"/>
           </a:p>
@@ -943,10 +939,9 @@
           <a:lstStyle/>
           <a:p>
             <a:r>
-              <a:rPr lang="en-US" smtClean="0"/>
+              <a:rPr lang="en-US"/>
               <a:t>Click to edit Master title style</a:t>
             </a:r>
-            <a:endParaRPr lang="en-US"/>
           </a:p>
         </p:txBody>
       </p:sp>
@@ -972,38 +967,37 @@
           <a:p>
             <a:pPr lvl="0"/>
             <a:r>
-              <a:rPr lang="en-US" smtClean="0"/>
+              <a:rPr lang="en-US"/>
               <a:t>Click to edit Master text styles</a:t>
             </a:r>
           </a:p>
           <a:p>
             <a:pPr lvl="1"/>
             <a:r>
-              <a:rPr lang="en-US" smtClean="0"/>
+              <a:rPr lang="en-US"/>
               <a:t>Second level</a:t>
             </a:r>
           </a:p>
           <a:p>
             <a:pPr lvl="2"/>
             <a:r>
-              <a:rPr lang="en-US" smtClean="0"/>
+              <a:rPr lang="en-US"/>
               <a:t>Third level</a:t>
             </a:r>
           </a:p>
           <a:p>
             <a:pPr lvl="3"/>
             <a:r>
-              <a:rPr lang="en-US" smtClean="0"/>
+              <a:rPr lang="en-US"/>
               <a:t>Fourth level</a:t>
             </a:r>
           </a:p>
           <a:p>
             <a:pPr lvl="4"/>
             <a:r>
-              <a:rPr lang="en-US" smtClean="0"/>
+              <a:rPr lang="en-US"/>
               <a:t>Fifth level</a:t>
             </a:r>
-            <a:endParaRPr lang="en-US"/>
           </a:p>
         </p:txBody>
       </p:sp>
@@ -1024,7 +1018,7 @@
           <a:p>
             <a:fld id="{E3D07B0C-BD95-41BE-BB3E-AC75822DF381}" type="datetimeFigureOut">
               <a:rPr lang="en-US" smtClean="0"/>
-              <a:t>7/24/2015</a:t>
+              <a:t>5/13/2021</a:t>
             </a:fld>
             <a:endParaRPr lang="en-US"/>
           </a:p>
@@ -1118,10 +1112,9 @@
           <a:lstStyle/>
           <a:p>
             <a:r>
-              <a:rPr lang="en-US" smtClean="0"/>
+              <a:rPr lang="en-US"/>
               <a:t>Click to edit Master title style</a:t>
             </a:r>
-            <a:endParaRPr lang="en-US"/>
           </a:p>
         </p:txBody>
       </p:sp>
@@ -1142,38 +1135,37 @@
           <a:p>
             <a:pPr lvl="0"/>
             <a:r>
-              <a:rPr lang="en-US" smtClean="0"/>
+              <a:rPr lang="en-US"/>
               <a:t>Click to edit Master text styles</a:t>
             </a:r>
           </a:p>
           <a:p>
             <a:pPr lvl="1"/>
             <a:r>
-              <a:rPr lang="en-US" smtClean="0"/>
+              <a:rPr lang="en-US"/>
               <a:t>Second level</a:t>
             </a:r>
           </a:p>
           <a:p>
             <a:pPr lvl="2"/>
             <a:r>
-              <a:rPr lang="en-US" smtClean="0"/>
+              <a:rPr lang="en-US"/>
               <a:t>Third level</a:t>
             </a:r>
           </a:p>
           <a:p>
             <a:pPr lvl="3"/>
             <a:r>
-              <a:rPr lang="en-US" smtClean="0"/>
+              <a:rPr lang="en-US"/>
               <a:t>Fourth level</a:t>
             </a:r>
           </a:p>
           <a:p>
             <a:pPr lvl="4"/>
             <a:r>
-              <a:rPr lang="en-US" smtClean="0"/>
+              <a:rPr lang="en-US"/>
               <a:t>Fifth level</a:t>
             </a:r>
-            <a:endParaRPr lang="en-US"/>
           </a:p>
         </p:txBody>
       </p:sp>
@@ -1194,7 +1186,7 @@
           <a:p>
             <a:fld id="{E3D07B0C-BD95-41BE-BB3E-AC75822DF381}" type="datetimeFigureOut">
               <a:rPr lang="en-US" smtClean="0"/>
-              <a:t>7/24/2015</a:t>
+              <a:t>5/13/2021</a:t>
             </a:fld>
             <a:endParaRPr lang="en-US"/>
           </a:p>
@@ -1297,10 +1289,9 @@
           </a:lstStyle>
           <a:p>
             <a:r>
-              <a:rPr lang="en-US" smtClean="0"/>
+              <a:rPr lang="en-US"/>
               <a:t>Click to edit Master title style</a:t>
             </a:r>
-            <a:endParaRPr lang="en-US"/>
           </a:p>
         </p:txBody>
       </p:sp>
@@ -1417,7 +1408,7 @@
           <a:p>
             <a:pPr lvl="0"/>
             <a:r>
-              <a:rPr lang="en-US" smtClean="0"/>
+              <a:rPr lang="en-US"/>
               <a:t>Click to edit Master text styles</a:t>
             </a:r>
           </a:p>
@@ -1440,7 +1431,7 @@
           <a:p>
             <a:fld id="{E3D07B0C-BD95-41BE-BB3E-AC75822DF381}" type="datetimeFigureOut">
               <a:rPr lang="en-US" smtClean="0"/>
-              <a:t>7/24/2015</a:t>
+              <a:t>5/13/2021</a:t>
             </a:fld>
             <a:endParaRPr lang="en-US"/>
           </a:p>
@@ -1534,10 +1525,9 @@
           <a:lstStyle/>
           <a:p>
             <a:r>
-              <a:rPr lang="en-US" smtClean="0"/>
+              <a:rPr lang="en-US"/>
               <a:t>Click to edit Master title style</a:t>
             </a:r>
-            <a:endParaRPr lang="en-US"/>
           </a:p>
         </p:txBody>
       </p:sp>
@@ -1591,38 +1581,37 @@
           <a:p>
             <a:pPr lvl="0"/>
             <a:r>
-              <a:rPr lang="en-US" smtClean="0"/>
+              <a:rPr lang="en-US"/>
               <a:t>Click to edit Master text styles</a:t>
             </a:r>
           </a:p>
           <a:p>
             <a:pPr lvl="1"/>
             <a:r>
-              <a:rPr lang="en-US" smtClean="0"/>
+              <a:rPr lang="en-US"/>
               <a:t>Second level</a:t>
             </a:r>
           </a:p>
           <a:p>
             <a:pPr lvl="2"/>
             <a:r>
-              <a:rPr lang="en-US" smtClean="0"/>
+              <a:rPr lang="en-US"/>
               <a:t>Third level</a:t>
             </a:r>
           </a:p>
           <a:p>
             <a:pPr lvl="3"/>
             <a:r>
-              <a:rPr lang="en-US" smtClean="0"/>
+              <a:rPr lang="en-US"/>
               <a:t>Fourth level</a:t>
             </a:r>
           </a:p>
           <a:p>
             <a:pPr lvl="4"/>
             <a:r>
-              <a:rPr lang="en-US" smtClean="0"/>
+              <a:rPr lang="en-US"/>
               <a:t>Fifth level</a:t>
             </a:r>
-            <a:endParaRPr lang="en-US"/>
           </a:p>
         </p:txBody>
       </p:sp>
@@ -1676,38 +1665,37 @@
           <a:p>
             <a:pPr lvl="0"/>
             <a:r>
-              <a:rPr lang="en-US" smtClean="0"/>
+              <a:rPr lang="en-US"/>
               <a:t>Click to edit Master text styles</a:t>
             </a:r>
           </a:p>
           <a:p>
             <a:pPr lvl="1"/>
             <a:r>
-              <a:rPr lang="en-US" smtClean="0"/>
+              <a:rPr lang="en-US"/>
               <a:t>Second level</a:t>
             </a:r>
           </a:p>
           <a:p>
             <a:pPr lvl="2"/>
             <a:r>
-              <a:rPr lang="en-US" smtClean="0"/>
+              <a:rPr lang="en-US"/>
               <a:t>Third level</a:t>
             </a:r>
           </a:p>
           <a:p>
             <a:pPr lvl="3"/>
             <a:r>
-              <a:rPr lang="en-US" smtClean="0"/>
+              <a:rPr lang="en-US"/>
               <a:t>Fourth level</a:t>
             </a:r>
           </a:p>
           <a:p>
             <a:pPr lvl="4"/>
             <a:r>
-              <a:rPr lang="en-US" smtClean="0"/>
+              <a:rPr lang="en-US"/>
               <a:t>Fifth level</a:t>
             </a:r>
-            <a:endParaRPr lang="en-US"/>
           </a:p>
         </p:txBody>
       </p:sp>
@@ -1728,7 +1716,7 @@
           <a:p>
             <a:fld id="{E3D07B0C-BD95-41BE-BB3E-AC75822DF381}" type="datetimeFigureOut">
               <a:rPr lang="en-US" smtClean="0"/>
-              <a:t>7/24/2015</a:t>
+              <a:t>5/13/2021</a:t>
             </a:fld>
             <a:endParaRPr lang="en-US"/>
           </a:p>
@@ -1826,10 +1814,9 @@
           </a:lstStyle>
           <a:p>
             <a:r>
-              <a:rPr lang="en-US" smtClean="0"/>
+              <a:rPr lang="en-US"/>
               <a:t>Click to edit Master title style</a:t>
             </a:r>
-            <a:endParaRPr lang="en-US"/>
           </a:p>
         </p:txBody>
       </p:sp>
@@ -1892,7 +1879,7 @@
           <a:p>
             <a:pPr lvl="0"/>
             <a:r>
-              <a:rPr lang="en-US" smtClean="0"/>
+              <a:rPr lang="en-US"/>
               <a:t>Click to edit Master text styles</a:t>
             </a:r>
           </a:p>
@@ -1948,38 +1935,37 @@
           <a:p>
             <a:pPr lvl="0"/>
             <a:r>
-              <a:rPr lang="en-US" smtClean="0"/>
+              <a:rPr lang="en-US"/>
               <a:t>Click to edit Master text styles</a:t>
             </a:r>
           </a:p>
           <a:p>
             <a:pPr lvl="1"/>
             <a:r>
-              <a:rPr lang="en-US" smtClean="0"/>
+              <a:rPr lang="en-US"/>
               <a:t>Second level</a:t>
             </a:r>
           </a:p>
           <a:p>
             <a:pPr lvl="2"/>
             <a:r>
-              <a:rPr lang="en-US" smtClean="0"/>
+              <a:rPr lang="en-US"/>
               <a:t>Third level</a:t>
             </a:r>
           </a:p>
           <a:p>
             <a:pPr lvl="3"/>
             <a:r>
-              <a:rPr lang="en-US" smtClean="0"/>
+              <a:rPr lang="en-US"/>
               <a:t>Fourth level</a:t>
             </a:r>
           </a:p>
           <a:p>
             <a:pPr lvl="4"/>
             <a:r>
-              <a:rPr lang="en-US" smtClean="0"/>
+              <a:rPr lang="en-US"/>
               <a:t>Fifth level</a:t>
             </a:r>
-            <a:endParaRPr lang="en-US"/>
           </a:p>
         </p:txBody>
       </p:sp>
@@ -2042,7 +2028,7 @@
           <a:p>
             <a:pPr lvl="0"/>
             <a:r>
-              <a:rPr lang="en-US" smtClean="0"/>
+              <a:rPr lang="en-US"/>
               <a:t>Click to edit Master text styles</a:t>
             </a:r>
           </a:p>
@@ -2098,38 +2084,37 @@
           <a:p>
             <a:pPr lvl="0"/>
             <a:r>
-              <a:rPr lang="en-US" smtClean="0"/>
+              <a:rPr lang="en-US"/>
               <a:t>Click to edit Master text styles</a:t>
             </a:r>
           </a:p>
           <a:p>
             <a:pPr lvl="1"/>
             <a:r>
-              <a:rPr lang="en-US" smtClean="0"/>
+              <a:rPr lang="en-US"/>
               <a:t>Second level</a:t>
             </a:r>
           </a:p>
           <a:p>
             <a:pPr lvl="2"/>
             <a:r>
-              <a:rPr lang="en-US" smtClean="0"/>
+              <a:rPr lang="en-US"/>
               <a:t>Third level</a:t>
             </a:r>
           </a:p>
           <a:p>
             <a:pPr lvl="3"/>
             <a:r>
-              <a:rPr lang="en-US" smtClean="0"/>
+              <a:rPr lang="en-US"/>
               <a:t>Fourth level</a:t>
             </a:r>
           </a:p>
           <a:p>
             <a:pPr lvl="4"/>
             <a:r>
-              <a:rPr lang="en-US" smtClean="0"/>
+              <a:rPr lang="en-US"/>
               <a:t>Fifth level</a:t>
             </a:r>
-            <a:endParaRPr lang="en-US"/>
           </a:p>
         </p:txBody>
       </p:sp>
@@ -2150,7 +2135,7 @@
           <a:p>
             <a:fld id="{E3D07B0C-BD95-41BE-BB3E-AC75822DF381}" type="datetimeFigureOut">
               <a:rPr lang="en-US" smtClean="0"/>
-              <a:t>7/24/2015</a:t>
+              <a:t>5/13/2021</a:t>
             </a:fld>
             <a:endParaRPr lang="en-US"/>
           </a:p>
@@ -2244,10 +2229,9 @@
           <a:lstStyle/>
           <a:p>
             <a:r>
-              <a:rPr lang="en-US" smtClean="0"/>
+              <a:rPr lang="en-US"/>
               <a:t>Click to edit Master title style</a:t>
             </a:r>
-            <a:endParaRPr lang="en-US"/>
           </a:p>
         </p:txBody>
       </p:sp>
@@ -2268,7 +2252,7 @@
           <a:p>
             <a:fld id="{E3D07B0C-BD95-41BE-BB3E-AC75822DF381}" type="datetimeFigureOut">
               <a:rPr lang="en-US" smtClean="0"/>
-              <a:t>7/24/2015</a:t>
+              <a:t>5/13/2021</a:t>
             </a:fld>
             <a:endParaRPr lang="en-US"/>
           </a:p>
@@ -2363,7 +2347,7 @@
           <a:p>
             <a:fld id="{E3D07B0C-BD95-41BE-BB3E-AC75822DF381}" type="datetimeFigureOut">
               <a:rPr lang="en-US" smtClean="0"/>
-              <a:t>7/24/2015</a:t>
+              <a:t>5/13/2021</a:t>
             </a:fld>
             <a:endParaRPr lang="en-US"/>
           </a:p>
@@ -2466,10 +2450,9 @@
           </a:lstStyle>
           <a:p>
             <a:r>
-              <a:rPr lang="en-US" smtClean="0"/>
+              <a:rPr lang="en-US"/>
               <a:t>Click to edit Master title style</a:t>
             </a:r>
-            <a:endParaRPr lang="en-US"/>
           </a:p>
         </p:txBody>
       </p:sp>
@@ -2523,38 +2506,37 @@
           <a:p>
             <a:pPr lvl="0"/>
             <a:r>
-              <a:rPr lang="en-US" smtClean="0"/>
+              <a:rPr lang="en-US"/>
               <a:t>Click to edit Master text styles</a:t>
             </a:r>
           </a:p>
           <a:p>
             <a:pPr lvl="1"/>
             <a:r>
-              <a:rPr lang="en-US" smtClean="0"/>
+              <a:rPr lang="en-US"/>
               <a:t>Second level</a:t>
             </a:r>
           </a:p>
           <a:p>
             <a:pPr lvl="2"/>
             <a:r>
-              <a:rPr lang="en-US" smtClean="0"/>
+              <a:rPr lang="en-US"/>
               <a:t>Third level</a:t>
             </a:r>
           </a:p>
           <a:p>
             <a:pPr lvl="3"/>
             <a:r>
-              <a:rPr lang="en-US" smtClean="0"/>
+              <a:rPr lang="en-US"/>
               <a:t>Fourth level</a:t>
             </a:r>
           </a:p>
           <a:p>
             <a:pPr lvl="4"/>
             <a:r>
-              <a:rPr lang="en-US" smtClean="0"/>
+              <a:rPr lang="en-US"/>
               <a:t>Fifth level</a:t>
             </a:r>
-            <a:endParaRPr lang="en-US"/>
           </a:p>
         </p:txBody>
       </p:sp>
@@ -2617,7 +2599,7 @@
           <a:p>
             <a:pPr lvl="0"/>
             <a:r>
-              <a:rPr lang="en-US" smtClean="0"/>
+              <a:rPr lang="en-US"/>
               <a:t>Click to edit Master text styles</a:t>
             </a:r>
           </a:p>
@@ -2640,7 +2622,7 @@
           <a:p>
             <a:fld id="{E3D07B0C-BD95-41BE-BB3E-AC75822DF381}" type="datetimeFigureOut">
               <a:rPr lang="en-US" smtClean="0"/>
-              <a:t>7/24/2015</a:t>
+              <a:t>5/13/2021</a:t>
             </a:fld>
             <a:endParaRPr lang="en-US"/>
           </a:p>
@@ -2743,10 +2725,9 @@
           </a:lstStyle>
           <a:p>
             <a:r>
-              <a:rPr lang="en-US" smtClean="0"/>
+              <a:rPr lang="en-US"/>
               <a:t>Click to edit Master title style</a:t>
             </a:r>
-            <a:endParaRPr lang="en-US"/>
           </a:p>
         </p:txBody>
       </p:sp>
@@ -2870,7 +2851,7 @@
           <a:p>
             <a:pPr lvl="0"/>
             <a:r>
-              <a:rPr lang="en-US" smtClean="0"/>
+              <a:rPr lang="en-US"/>
               <a:t>Click to edit Master text styles</a:t>
             </a:r>
           </a:p>
@@ -2893,7 +2874,7 @@
           <a:p>
             <a:fld id="{E3D07B0C-BD95-41BE-BB3E-AC75822DF381}" type="datetimeFigureOut">
               <a:rPr lang="en-US" smtClean="0"/>
-              <a:t>7/24/2015</a:t>
+              <a:t>5/13/2021</a:t>
             </a:fld>
             <a:endParaRPr lang="en-US"/>
           </a:p>
@@ -3002,10 +2983,9 @@
           <a:lstStyle/>
           <a:p>
             <a:r>
-              <a:rPr lang="en-US" smtClean="0"/>
+              <a:rPr lang="en-US"/>
               <a:t>Click to edit Master title style</a:t>
             </a:r>
-            <a:endParaRPr lang="en-US"/>
           </a:p>
         </p:txBody>
       </p:sp>
@@ -3036,38 +3016,37 @@
           <a:p>
             <a:pPr lvl="0"/>
             <a:r>
-              <a:rPr lang="en-US" smtClean="0"/>
+              <a:rPr lang="en-US"/>
               <a:t>Click to edit Master text styles</a:t>
             </a:r>
           </a:p>
           <a:p>
             <a:pPr lvl="1"/>
             <a:r>
-              <a:rPr lang="en-US" smtClean="0"/>
+              <a:rPr lang="en-US"/>
               <a:t>Second level</a:t>
             </a:r>
           </a:p>
           <a:p>
             <a:pPr lvl="2"/>
             <a:r>
-              <a:rPr lang="en-US" smtClean="0"/>
+              <a:rPr lang="en-US"/>
               <a:t>Third level</a:t>
             </a:r>
           </a:p>
           <a:p>
             <a:pPr lvl="3"/>
             <a:r>
-              <a:rPr lang="en-US" smtClean="0"/>
+              <a:rPr lang="en-US"/>
               <a:t>Fourth level</a:t>
             </a:r>
           </a:p>
           <a:p>
             <a:pPr lvl="4"/>
             <a:r>
-              <a:rPr lang="en-US" smtClean="0"/>
+              <a:rPr lang="en-US"/>
               <a:t>Fifth level</a:t>
             </a:r>
-            <a:endParaRPr lang="en-US"/>
           </a:p>
         </p:txBody>
       </p:sp>
@@ -3106,7 +3085,7 @@
           <a:p>
             <a:fld id="{E3D07B0C-BD95-41BE-BB3E-AC75822DF381}" type="datetimeFigureOut">
               <a:rPr lang="en-US" smtClean="0"/>
-              <a:t>7/24/2015</a:t>
+              <a:t>5/13/2021</a:t>
             </a:fld>
             <a:endParaRPr lang="en-US"/>
           </a:p>
@@ -3783,7 +3762,7 @@
           <a:lstStyle/>
           <a:p>
             <a:r>
-              <a:rPr lang="en-US" altLang="zh-TW" sz="800" dirty="0" smtClean="0"/>
+              <a:rPr lang="en-US" altLang="zh-TW" sz="800" dirty="0"/>
               <a:t>Width</a:t>
             </a:r>
             <a:endParaRPr lang="zh-TW" altLang="en-US" sz="800" dirty="0"/>
@@ -3857,11 +3836,11 @@
           <a:lstStyle/>
           <a:p>
             <a:r>
-              <a:rPr lang="en-US" altLang="zh-TW" sz="800" dirty="0" err="1" smtClean="0"/>
+              <a:rPr lang="en-US" altLang="zh-TW" sz="800" dirty="0" err="1"/>
               <a:t>mLL</a:t>
             </a:r>
             <a:r>
-              <a:rPr lang="en-US" altLang="zh-TW" sz="800" dirty="0" smtClean="0"/>
+              <a:rPr lang="en-US" altLang="zh-TW" sz="800" dirty="0"/>
               <a:t> (lower left corner)</a:t>
             </a:r>
             <a:endParaRPr lang="zh-TW" altLang="en-US" sz="800" dirty="0"/>
@@ -3891,7 +3870,7 @@
           <a:lstStyle/>
           <a:p>
             <a:r>
-              <a:rPr lang="en-US" altLang="zh-TW" sz="800" dirty="0" smtClean="0"/>
+              <a:rPr lang="en-US" altLang="zh-TW" sz="800" dirty="0"/>
               <a:t>Center Position</a:t>
             </a:r>
             <a:endParaRPr lang="zh-TW" altLang="en-US" sz="800" dirty="0"/>
@@ -3921,7 +3900,7 @@
           <a:lstStyle/>
           <a:p>
             <a:r>
-              <a:rPr lang="en-US" altLang="zh-TW" sz="800" dirty="0" smtClean="0"/>
+              <a:rPr lang="en-US" altLang="zh-TW" sz="800" dirty="0"/>
               <a:t>Height</a:t>
             </a:r>
             <a:endParaRPr lang="zh-TW" altLang="en-US" sz="800" dirty="0"/>
@@ -4124,7 +4103,7 @@
           <a:lstStyle/>
           <a:p>
             <a:r>
-              <a:rPr lang="en-US" altLang="zh-TW" sz="2400" dirty="0" smtClean="0"/>
+              <a:rPr lang="en-US" altLang="zh-TW" sz="2400" dirty="0"/>
               <a:t>Figure 6-11</a:t>
             </a:r>
             <a:endParaRPr lang="zh-TW" altLang="en-US" sz="2400" dirty="0"/>
@@ -4229,10 +4208,10 @@
           <a:p>
             <a:pPr algn="r"/>
             <a:r>
-              <a:rPr lang="en-US" altLang="zh-TW" sz="800" dirty="0" err="1" smtClean="0"/>
+              <a:rPr lang="en-US" altLang="zh-TW" sz="800" dirty="0" err="1"/>
               <a:t>eCollideLeft</a:t>
             </a:r>
-            <a:endParaRPr lang="en-US" altLang="zh-TW" sz="800" dirty="0" smtClean="0"/>
+            <a:endParaRPr lang="en-US" altLang="zh-TW" sz="800" dirty="0"/>
           </a:p>
         </p:txBody>
       </p:sp>
@@ -4259,7 +4238,7 @@
           <a:lstStyle/>
           <a:p>
             <a:r>
-              <a:rPr lang="en-US" altLang="zh-TW" sz="900" dirty="0" smtClean="0"/>
+              <a:rPr lang="en-US" altLang="zh-TW" sz="900" dirty="0"/>
               <a:t>zone</a:t>
             </a:r>
           </a:p>
@@ -4994,7 +4973,7 @@
           <a:lstStyle/>
           <a:p>
             <a:r>
-              <a:rPr lang="en-US" altLang="zh-TW" sz="900" dirty="0" smtClean="0"/>
+              <a:rPr lang="en-US" altLang="zh-TW" sz="900" dirty="0"/>
               <a:t>WC Center</a:t>
             </a:r>
           </a:p>
@@ -5024,10 +5003,10 @@
           <a:p>
             <a:pPr algn="r"/>
             <a:r>
-              <a:rPr lang="en-US" altLang="zh-TW" sz="800" dirty="0" err="1" smtClean="0"/>
+              <a:rPr lang="en-US" altLang="zh-TW" sz="800" dirty="0" err="1"/>
               <a:t>eCollideTop</a:t>
             </a:r>
-            <a:endParaRPr lang="en-US" altLang="zh-TW" sz="800" dirty="0" smtClean="0"/>
+            <a:endParaRPr lang="en-US" altLang="zh-TW" sz="800" dirty="0"/>
           </a:p>
         </p:txBody>
       </p:sp>
@@ -5055,18 +5034,18 @@
           <a:p>
             <a:pPr algn="r"/>
             <a:r>
-              <a:rPr lang="en-US" altLang="zh-TW" sz="800" dirty="0" err="1" smtClean="0"/>
+              <a:rPr lang="en-US" altLang="zh-TW" sz="800" dirty="0" err="1"/>
               <a:t>eCollideLeft</a:t>
             </a:r>
             <a:r>
-              <a:rPr lang="en-US" altLang="zh-TW" sz="800" dirty="0" smtClean="0"/>
+              <a:rPr lang="en-US" altLang="zh-TW" sz="800" dirty="0"/>
               <a:t> | </a:t>
             </a:r>
             <a:r>
-              <a:rPr lang="en-US" altLang="zh-TW" sz="800" dirty="0" err="1" smtClean="0"/>
+              <a:rPr lang="en-US" altLang="zh-TW" sz="800" dirty="0" err="1"/>
               <a:t>eCollideBottom</a:t>
             </a:r>
-            <a:endParaRPr lang="en-US" altLang="zh-TW" sz="800" dirty="0" smtClean="0"/>
+            <a:endParaRPr lang="en-US" altLang="zh-TW" sz="800" dirty="0"/>
           </a:p>
         </p:txBody>
       </p:sp>
@@ -5094,10 +5073,10 @@
           <a:p>
             <a:pPr algn="r"/>
             <a:r>
-              <a:rPr lang="en-US" altLang="zh-TW" sz="800" dirty="0" err="1" smtClean="0"/>
+              <a:rPr lang="en-US" altLang="zh-TW" sz="800" dirty="0" err="1"/>
               <a:t>eOutside</a:t>
             </a:r>
-            <a:endParaRPr lang="en-US" altLang="zh-TW" sz="800" dirty="0" smtClean="0"/>
+            <a:endParaRPr lang="en-US" altLang="zh-TW" sz="800" dirty="0"/>
           </a:p>
         </p:txBody>
       </p:sp>
@@ -5125,10 +5104,10 @@
           <a:p>
             <a:pPr algn="r"/>
             <a:r>
-              <a:rPr lang="en-US" altLang="zh-TW" sz="800" dirty="0" err="1" smtClean="0"/>
+              <a:rPr lang="en-US" altLang="zh-TW" sz="800" dirty="0" err="1"/>
               <a:t>eCollideRight</a:t>
             </a:r>
-            <a:endParaRPr lang="en-US" altLang="zh-TW" sz="800" dirty="0" smtClean="0"/>
+            <a:endParaRPr lang="en-US" altLang="zh-TW" sz="800" dirty="0"/>
           </a:p>
         </p:txBody>
       </p:sp>
@@ -5156,10 +5135,10 @@
           <a:p>
             <a:pPr algn="r"/>
             <a:r>
-              <a:rPr lang="en-US" altLang="zh-TW" sz="800" dirty="0" err="1" smtClean="0"/>
+              <a:rPr lang="en-US" altLang="zh-TW" sz="800" dirty="0" err="1"/>
               <a:t>eCollideBottom</a:t>
             </a:r>
-            <a:endParaRPr lang="en-US" altLang="zh-TW" sz="800" dirty="0" smtClean="0"/>
+            <a:endParaRPr lang="en-US" altLang="zh-TW" sz="800" dirty="0"/>
           </a:p>
         </p:txBody>
       </p:sp>
@@ -5413,7 +5392,7 @@
           <a:lstStyle/>
           <a:p>
             <a:r>
-              <a:rPr lang="en-US" altLang="zh-TW" sz="900" dirty="0" smtClean="0"/>
+              <a:rPr lang="en-US" altLang="zh-TW" sz="900" dirty="0"/>
               <a:t>Camera WC Bounds</a:t>
             </a:r>
           </a:p>
@@ -5478,7 +5457,7 @@
           <a:lstStyle/>
           <a:p>
             <a:r>
-              <a:rPr lang="en-US" altLang="zh-TW" sz="2400" dirty="0" smtClean="0"/>
+              <a:rPr lang="en-US" altLang="zh-TW" sz="2400" dirty="0"/>
               <a:t>Figure 6-13</a:t>
             </a:r>
             <a:endParaRPr lang="zh-TW" altLang="en-US" sz="2400" dirty="0"/>
@@ -5611,7 +5590,7 @@
           <a:lstStyle/>
           <a:p>
             <a:r>
-              <a:rPr lang="en-US" altLang="zh-TW" sz="800" dirty="0" smtClean="0"/>
+              <a:rPr lang="en-US" altLang="zh-TW" sz="800" dirty="0"/>
               <a:t>Bounding box not rotated</a:t>
             </a:r>
             <a:endParaRPr lang="zh-TW" altLang="en-US" sz="800" dirty="0"/>
@@ -5750,7 +5729,7 @@
           <a:lstStyle/>
           <a:p>
             <a:r>
-              <a:rPr lang="en-US" altLang="zh-TW" sz="800" dirty="0" smtClean="0"/>
+              <a:rPr lang="en-US" altLang="zh-TW" sz="800" dirty="0"/>
               <a:t>Bounding boxes overlapped without actual collision</a:t>
             </a:r>
             <a:endParaRPr lang="zh-TW" altLang="en-US" sz="800" dirty="0"/>
@@ -5816,7 +5795,7 @@
           <a:lstStyle/>
           <a:p>
             <a:r>
-              <a:rPr lang="en-US" altLang="zh-TW" sz="2400" dirty="0" smtClean="0"/>
+              <a:rPr lang="en-US" altLang="zh-TW" sz="2400" dirty="0"/>
               <a:t>Figure 6-14</a:t>
             </a:r>
             <a:endParaRPr lang="zh-TW" altLang="en-US" sz="2400" dirty="0"/>
@@ -5920,7 +5899,7 @@
           <a:lstStyle/>
           <a:p>
             <a:r>
-              <a:rPr lang="en-US" altLang="zh-TW" sz="800" dirty="0" smtClean="0"/>
+              <a:rPr lang="en-US" altLang="zh-TW" sz="800" dirty="0"/>
               <a:t>Collector object with transparent background</a:t>
             </a:r>
             <a:endParaRPr lang="zh-TW" altLang="en-US" sz="800" dirty="0"/>
@@ -6032,7 +6011,7 @@
           <a:lstStyle/>
           <a:p>
             <a:r>
-              <a:rPr lang="en-US" altLang="zh-TW" sz="800" dirty="0" smtClean="0"/>
+              <a:rPr lang="en-US" altLang="zh-TW" sz="800" dirty="0"/>
               <a:t>Object bounding boxes overlap</a:t>
             </a:r>
             <a:endParaRPr lang="zh-TW" altLang="en-US" sz="800" dirty="0"/>
@@ -6160,7 +6139,7 @@
           <a:lstStyle/>
           <a:p>
             <a:r>
-              <a:rPr lang="en-US" altLang="zh-TW" sz="2400" dirty="0" smtClean="0"/>
+              <a:rPr lang="en-US" altLang="zh-TW" sz="2400" dirty="0"/>
               <a:t>Figure 6-16</a:t>
             </a:r>
             <a:endParaRPr lang="zh-TW" altLang="en-US" sz="2400" dirty="0"/>
@@ -6300,7 +6279,7 @@
           <a:lstStyle/>
           <a:p>
             <a:r>
-              <a:rPr lang="en-US" altLang="zh-TW" sz="800" dirty="0" smtClean="0"/>
+              <a:rPr lang="en-US" altLang="zh-TW" sz="800" dirty="0"/>
               <a:t>Collector and portal objects with non-transparent pixels overlap</a:t>
             </a:r>
             <a:endParaRPr lang="zh-TW" altLang="en-US" sz="800" dirty="0"/>
@@ -6515,7 +6494,7 @@
           <a:lstStyle/>
           <a:p>
             <a:r>
-              <a:rPr lang="en-US" altLang="zh-TW" sz="800" dirty="0" smtClean="0"/>
+              <a:rPr lang="en-US" altLang="zh-TW" sz="800" dirty="0"/>
               <a:t>Collector object with transparent background</a:t>
             </a:r>
             <a:endParaRPr lang="zh-TW" altLang="en-US" sz="800" dirty="0"/>
@@ -6545,7 +6524,7 @@
           <a:lstStyle/>
           <a:p>
             <a:r>
-              <a:rPr lang="en-US" altLang="zh-TW" sz="2400" dirty="0" smtClean="0"/>
+              <a:rPr lang="en-US" altLang="zh-TW" sz="2400" dirty="0"/>
               <a:t>Figure 6-17</a:t>
             </a:r>
             <a:endParaRPr lang="zh-TW" altLang="en-US" sz="2400" dirty="0"/>
@@ -6695,11 +6674,11 @@
                     </m:oMath>
                   </m:oMathPara>
                 </a14:m>
-                <a:endParaRPr lang="en-US" sz="800" b="0" dirty="0" smtClean="0"/>
+                <a:endParaRPr lang="en-US" sz="800" b="0" dirty="0"/>
               </a:p>
               <a:p>
                 <a:r>
-                  <a:rPr lang="en-US" sz="800" b="0" dirty="0" smtClean="0"/>
+                  <a:rPr lang="en-US" sz="800" b="0" dirty="0"/>
                   <a:t>           Or</a:t>
                 </a:r>
               </a:p>
@@ -6783,7 +6762,7 @@
                 <a:endParaRPr lang="en-US" sz="800" dirty="0"/>
               </a:p>
               <a:p>
-                <a:endParaRPr lang="en-US" sz="800" b="0" dirty="0" smtClean="0"/>
+                <a:endParaRPr lang="en-US" sz="800" b="0" dirty="0"/>
               </a:p>
             </p:txBody>
           </p:sp>
@@ -7054,7 +7033,7 @@
                     </m:oMath>
                   </m:oMathPara>
                 </a14:m>
-                <a:endParaRPr lang="en-US" sz="800" b="0" dirty="0" smtClean="0"/>
+                <a:endParaRPr lang="en-US" sz="800" b="0" dirty="0"/>
               </a:p>
             </p:txBody>
           </p:sp>
@@ -7156,7 +7135,7 @@
                     </m:oMath>
                   </m:oMathPara>
                 </a14:m>
-                <a:endParaRPr lang="en-US" sz="800" b="0" dirty="0" smtClean="0"/>
+                <a:endParaRPr lang="en-US" sz="800" b="0" dirty="0"/>
               </a:p>
             </p:txBody>
           </p:sp>
@@ -7334,7 +7313,7 @@
                     </m:oMath>
                   </m:oMathPara>
                 </a14:m>
-                <a:endParaRPr lang="en-US" sz="800" b="0" dirty="0" smtClean="0"/>
+                <a:endParaRPr lang="en-US" sz="800" b="0" dirty="0"/>
               </a:p>
             </p:txBody>
           </p:sp>
@@ -7455,7 +7434,7 @@
                     </m:oMath>
                   </m:oMathPara>
                 </a14:m>
-                <a:endParaRPr lang="en-US" sz="800" b="0" dirty="0" smtClean="0"/>
+                <a:endParaRPr lang="en-US" sz="800" b="0" dirty="0"/>
               </a:p>
             </p:txBody>
           </p:sp>
@@ -7668,7 +7647,7 @@
           <a:lstStyle/>
           <a:p>
             <a:r>
-              <a:rPr lang="en-US" altLang="zh-TW" sz="2400" dirty="0" smtClean="0"/>
+              <a:rPr lang="en-US" altLang="zh-TW" sz="2400" dirty="0"/>
               <a:t>Figure 6-18</a:t>
             </a:r>
             <a:endParaRPr lang="zh-TW" altLang="en-US" sz="2400" dirty="0"/>
@@ -7757,7 +7736,7 @@
                     </m:oMath>
                   </m:oMathPara>
                 </a14:m>
-                <a:endParaRPr lang="en-US" sz="800" b="0" dirty="0" smtClean="0"/>
+                <a:endParaRPr lang="en-US" sz="800" b="0" dirty="0"/>
               </a:p>
             </p:txBody>
           </p:sp>
@@ -8176,7 +8155,7 @@
                     </m:oMath>
                   </m:oMathPara>
                 </a14:m>
-                <a:endParaRPr lang="en-US" sz="800" b="0" dirty="0" smtClean="0"/>
+                <a:endParaRPr lang="en-US" sz="800" b="0" dirty="0"/>
               </a:p>
             </p:txBody>
           </p:sp>
@@ -8308,7 +8287,7 @@
                     </m:oMath>
                   </m:oMathPara>
                 </a14:m>
-                <a:endParaRPr lang="en-US" sz="800" b="0" dirty="0" smtClean="0"/>
+                <a:endParaRPr lang="en-US" sz="800" b="0" dirty="0"/>
               </a:p>
             </p:txBody>
           </p:sp>
@@ -8377,7 +8356,7 @@
               <a:lstStyle/>
               <a:p>
                 <a:r>
-                  <a:rPr lang="en-US" sz="800" b="0" dirty="0" smtClean="0"/>
+                  <a:rPr lang="en-US" sz="800" b="0" dirty="0"/>
                   <a:t>Always true:       </a:t>
                 </a:r>
                 <a14:m>
@@ -8937,7 +8916,7 @@
           <a:lstStyle/>
           <a:p>
             <a:r>
-              <a:rPr lang="en-US" altLang="zh-TW" sz="2400" dirty="0" smtClean="0"/>
+              <a:rPr lang="en-US" altLang="zh-TW" sz="2400" dirty="0"/>
               <a:t>Figure 6-19</a:t>
             </a:r>
             <a:endParaRPr lang="zh-TW" altLang="en-US" sz="2400" dirty="0"/>
@@ -9130,7 +9109,7 @@
                     </m:oMath>
                   </m:oMathPara>
                 </a14:m>
-                <a:endParaRPr lang="en-US" sz="800" b="0" dirty="0" smtClean="0"/>
+                <a:endParaRPr lang="en-US" sz="800" b="0" dirty="0"/>
               </a:p>
             </p:txBody>
           </p:sp>
@@ -9302,7 +9281,7 @@
                     </m:oMath>
                   </m:oMathPara>
                 </a14:m>
-                <a:endParaRPr lang="en-US" sz="800" b="0" dirty="0" smtClean="0"/>
+                <a:endParaRPr lang="en-US" sz="800" b="0" dirty="0"/>
               </a:p>
             </p:txBody>
           </p:sp>
@@ -9371,7 +9350,7 @@
               <a:lstStyle/>
               <a:p>
                 <a:r>
-                  <a:rPr lang="en-US" altLang="zh-TW" sz="800" dirty="0" smtClean="0"/>
+                  <a:rPr lang="en-US" altLang="zh-TW" sz="800" dirty="0"/>
                   <a:t>Original Reference Axes: </a:t>
                 </a:r>
                 <a14:m>
@@ -9397,7 +9376,7 @@
                   </m:oMath>
                 </a14:m>
                 <a:r>
-                  <a:rPr lang="en-US" altLang="zh-TW" sz="800" dirty="0" smtClean="0"/>
+                  <a:rPr lang="en-US" altLang="zh-TW" sz="800" dirty="0"/>
                   <a:t> and </a:t>
                 </a:r>
                 <a14:m>
@@ -9563,7 +9542,7 @@
           <a:lstStyle/>
           <a:p>
             <a:r>
-              <a:rPr lang="en-US" altLang="zh-TW" sz="2400" dirty="0" smtClean="0"/>
+              <a:rPr lang="en-US" altLang="zh-TW" sz="2400" dirty="0"/>
               <a:t>Figure 6-20</a:t>
             </a:r>
             <a:endParaRPr lang="zh-TW" altLang="en-US" sz="2400" dirty="0"/>
@@ -9652,7 +9631,7 @@
                     </m:oMath>
                   </m:oMathPara>
                 </a14:m>
-                <a:endParaRPr lang="en-US" sz="800" b="0" dirty="0" smtClean="0"/>
+                <a:endParaRPr lang="en-US" sz="800" b="0" dirty="0"/>
               </a:p>
             </p:txBody>
           </p:sp>
@@ -9748,7 +9727,7 @@
                     </m:oMath>
                   </m:oMathPara>
                 </a14:m>
-                <a:endParaRPr lang="en-US" sz="800" b="0" dirty="0" smtClean="0"/>
+                <a:endParaRPr lang="en-US" sz="800" b="0" dirty="0"/>
               </a:p>
             </p:txBody>
           </p:sp>
@@ -9817,7 +9796,7 @@
               <a:lstStyle/>
               <a:p>
                 <a:r>
-                  <a:rPr lang="en-US" altLang="zh-TW" sz="800" dirty="0" smtClean="0"/>
+                  <a:rPr lang="en-US" altLang="zh-TW" sz="800" dirty="0"/>
                   <a:t>Rotate Reference Axes: </a:t>
                 </a:r>
                 <a14:m>
@@ -9843,7 +9822,7 @@
                   </m:oMath>
                 </a14:m>
                 <a:r>
-                  <a:rPr lang="en-US" altLang="zh-TW" sz="800" dirty="0" smtClean="0"/>
+                  <a:rPr lang="en-US" altLang="zh-TW" sz="800" dirty="0"/>
                   <a:t> and </a:t>
                 </a:r>
                 <a14:m>
@@ -10204,7 +10183,7 @@
           <a:lstStyle/>
           <a:p>
             <a:r>
-              <a:rPr lang="en-US" altLang="zh-TW" sz="2400" dirty="0" smtClean="0"/>
+              <a:rPr lang="en-US" altLang="zh-TW" sz="2400" dirty="0"/>
               <a:t>Figure 6-21</a:t>
             </a:r>
             <a:endParaRPr lang="zh-TW" altLang="en-US" sz="2400" dirty="0"/>
@@ -10294,7 +10273,7 @@
           <a:lstStyle/>
           <a:p>
             <a:r>
-              <a:rPr lang="en-US" altLang="zh-TW" sz="800" dirty="0" smtClean="0"/>
+              <a:rPr lang="en-US" altLang="zh-TW" sz="800" dirty="0"/>
               <a:t>1024</a:t>
             </a:r>
             <a:endParaRPr lang="zh-TW" altLang="en-US" sz="800" dirty="0"/>
@@ -10416,7 +10395,7 @@
           <a:lstStyle/>
           <a:p>
             <a:r>
-              <a:rPr lang="en-US" altLang="zh-TW" sz="800" dirty="0" smtClean="0"/>
+              <a:rPr lang="en-US" altLang="zh-TW" sz="800" dirty="0"/>
               <a:t>512</a:t>
             </a:r>
             <a:endParaRPr lang="zh-TW" altLang="en-US" sz="800" dirty="0"/>
@@ -10446,7 +10425,7 @@
           <a:lstStyle/>
           <a:p>
             <a:r>
-              <a:rPr lang="en-US" altLang="zh-TW" sz="800" dirty="0" smtClean="0"/>
+              <a:rPr lang="en-US" altLang="zh-TW" sz="800" dirty="0"/>
               <a:t>204 </a:t>
             </a:r>
             <a:endParaRPr lang="zh-TW" altLang="en-US" sz="800" dirty="0"/>
@@ -10513,7 +10492,7 @@
           <a:lstStyle/>
           <a:p>
             <a:r>
-              <a:rPr lang="en-US" altLang="zh-TW" sz="800" dirty="0" smtClean="0"/>
+              <a:rPr lang="en-US" altLang="zh-TW" sz="800" dirty="0"/>
               <a:t>164 </a:t>
             </a:r>
             <a:endParaRPr lang="zh-TW" altLang="en-US" sz="800" dirty="0"/>
@@ -10841,7 +10820,7 @@
           <a:lstStyle/>
           <a:p>
             <a:r>
-              <a:rPr lang="en-US" altLang="zh-TW" sz="800" dirty="0" smtClean="0"/>
+              <a:rPr lang="en-US" altLang="zh-TW" sz="800" dirty="0"/>
               <a:t>164 </a:t>
             </a:r>
             <a:endParaRPr lang="zh-TW" altLang="en-US" sz="800" dirty="0"/>
@@ -10871,13 +10850,13 @@
           <a:lstStyle/>
           <a:p>
             <a:r>
-              <a:rPr lang="en-US" altLang="zh-TW" sz="800" dirty="0" smtClean="0"/>
+              <a:rPr lang="en-US" altLang="zh-TW" sz="800" dirty="0"/>
               <a:t>(5, 0)</a:t>
             </a:r>
           </a:p>
           <a:p>
             <a:r>
-              <a:rPr lang="en-US" altLang="zh-TW" sz="800" dirty="0" smtClean="0"/>
+              <a:rPr lang="en-US" altLang="zh-TW" sz="800" dirty="0"/>
               <a:t>120x180</a:t>
             </a:r>
             <a:endParaRPr lang="zh-TW" altLang="en-US" sz="800" dirty="0"/>
@@ -11095,7 +11074,7 @@
           <a:lstStyle/>
           <a:p>
             <a:r>
-              <a:rPr lang="en-US" altLang="zh-TW" sz="800" dirty="0" smtClean="0"/>
+              <a:rPr lang="en-US" altLang="zh-TW" sz="800" dirty="0"/>
               <a:t>180 </a:t>
             </a:r>
             <a:endParaRPr lang="zh-TW" altLang="en-US" sz="800" dirty="0"/>
@@ -11208,13 +11187,13 @@
           <a:lstStyle/>
           <a:p>
             <a:r>
-              <a:rPr lang="en-US" altLang="zh-TW" sz="800" dirty="0" smtClean="0"/>
+              <a:rPr lang="en-US" altLang="zh-TW" sz="800" dirty="0"/>
               <a:t>(130, 0)</a:t>
             </a:r>
           </a:p>
           <a:p>
             <a:r>
-              <a:rPr lang="en-US" altLang="zh-TW" sz="800" dirty="0" smtClean="0"/>
+              <a:rPr lang="en-US" altLang="zh-TW" sz="800" dirty="0"/>
               <a:t>180x180</a:t>
             </a:r>
             <a:endParaRPr lang="zh-TW" altLang="en-US" sz="800" dirty="0"/>
@@ -11388,13 +11367,13 @@
           <a:lstStyle/>
           <a:p>
             <a:r>
-              <a:rPr lang="en-US" altLang="zh-TW" sz="800" dirty="0" smtClean="0"/>
+              <a:rPr lang="en-US" altLang="zh-TW" sz="800" dirty="0"/>
               <a:t>(315, 0)</a:t>
             </a:r>
           </a:p>
           <a:p>
             <a:r>
-              <a:rPr lang="en-US" altLang="zh-TW" sz="800" dirty="0" smtClean="0"/>
+              <a:rPr lang="en-US" altLang="zh-TW" sz="800" dirty="0"/>
               <a:t>180x180</a:t>
             </a:r>
             <a:endParaRPr lang="zh-TW" altLang="en-US" sz="800" dirty="0"/>
@@ -11424,13 +11403,13 @@
           <a:lstStyle/>
           <a:p>
             <a:r>
-              <a:rPr lang="en-US" altLang="zh-TW" sz="800" dirty="0" smtClean="0"/>
+              <a:rPr lang="en-US" altLang="zh-TW" sz="800" dirty="0"/>
               <a:t>(510, 23)</a:t>
             </a:r>
           </a:p>
           <a:p>
             <a:r>
-              <a:rPr lang="en-US" altLang="zh-TW" sz="800" dirty="0" smtClean="0"/>
+              <a:rPr lang="en-US" altLang="zh-TW" sz="800" dirty="0"/>
               <a:t>180x180</a:t>
             </a:r>
             <a:endParaRPr lang="zh-TW" altLang="en-US" sz="800" dirty="0"/>
@@ -11460,13 +11439,13 @@
           <a:lstStyle/>
           <a:p>
             <a:r>
-              <a:rPr lang="en-US" altLang="zh-TW" sz="800" dirty="0" smtClean="0"/>
+              <a:rPr lang="en-US" altLang="zh-TW" sz="800" dirty="0"/>
               <a:t>(130, 0)</a:t>
             </a:r>
           </a:p>
           <a:p>
             <a:r>
-              <a:rPr lang="en-US" altLang="zh-TW" sz="800" dirty="0" smtClean="0"/>
+              <a:rPr lang="en-US" altLang="zh-TW" sz="800" dirty="0"/>
               <a:t>100x180</a:t>
             </a:r>
             <a:endParaRPr lang="zh-TW" altLang="en-US" sz="800" dirty="0"/>
@@ -11496,7 +11475,7 @@
           <a:lstStyle/>
           <a:p>
             <a:r>
-              <a:rPr lang="en-US" altLang="zh-TW" sz="2400" dirty="0" smtClean="0"/>
+              <a:rPr lang="en-US" altLang="zh-TW" sz="2400" dirty="0"/>
               <a:t>Figure 6-2</a:t>
             </a:r>
             <a:endParaRPr lang="zh-TW" altLang="en-US" sz="2400" dirty="0"/>
@@ -11571,8 +11550,8 @@
           </a:fontRef>
         </p:style>
       </p:cxnSp>
-      <mc:AlternateContent xmlns:mc="http://schemas.openxmlformats.org/markup-compatibility/2006">
-        <mc:Choice xmlns:a14="http://schemas.microsoft.com/office/drawing/2010/main" Requires="a14">
+      <mc:AlternateContent xmlns:mc="http://schemas.openxmlformats.org/markup-compatibility/2006" xmlns:a14="http://schemas.microsoft.com/office/drawing/2010/main">
+        <mc:Choice Requires="a14">
           <p:sp>
             <p:nvSpPr>
               <p:cNvPr id="12" name="TextBox 11"/>
@@ -11647,7 +11626,7 @@
             </p:txBody>
           </p:sp>
         </mc:Choice>
-        <mc:Fallback>
+        <mc:Fallback xmlns="">
           <p:sp>
             <p:nvSpPr>
               <p:cNvPr id="12" name="TextBox 11"/>
@@ -11763,7 +11742,7 @@
               <a:lstStyle/>
               <a:p>
                 <a:r>
-                  <a:rPr lang="en-US" altLang="zh-TW" sz="800" dirty="0" smtClean="0"/>
+                  <a:rPr lang="en-US" altLang="zh-TW" sz="800" dirty="0"/>
                   <a:t>(</a:t>
                 </a:r>
                 <a14:m>
@@ -11827,7 +11806,7 @@
                   </m:oMath>
                 </a14:m>
                 <a:r>
-                  <a:rPr lang="en-US" altLang="zh-TW" sz="800" dirty="0" smtClean="0"/>
+                  <a:rPr lang="en-US" altLang="zh-TW" sz="800" dirty="0"/>
                   <a:t>)</a:t>
                 </a:r>
                 <a:endParaRPr lang="zh-TW" altLang="en-US" sz="800" dirty="0"/>
@@ -11899,7 +11878,7 @@
               <a:lstStyle/>
               <a:p>
                 <a:r>
-                  <a:rPr lang="en-US" altLang="zh-TW" sz="800" dirty="0" smtClean="0"/>
+                  <a:rPr lang="en-US" altLang="zh-TW" sz="800" dirty="0"/>
                   <a:t>(</a:t>
                 </a:r>
                 <a14:m>
@@ -11963,7 +11942,7 @@
                   </m:oMath>
                 </a14:m>
                 <a:r>
-                  <a:rPr lang="en-US" altLang="zh-TW" sz="800" dirty="0" smtClean="0"/>
+                  <a:rPr lang="en-US" altLang="zh-TW" sz="800" dirty="0"/>
                   <a:t>)</a:t>
                 </a:r>
                 <a:endParaRPr lang="zh-TW" altLang="en-US" sz="800" dirty="0"/>
@@ -12035,7 +12014,7 @@
               <a:lstStyle/>
               <a:p>
                 <a:r>
-                  <a:rPr lang="en-US" altLang="zh-TW" sz="800" dirty="0" smtClean="0"/>
+                  <a:rPr lang="en-US" altLang="zh-TW" sz="800" dirty="0"/>
                   <a:t>(</a:t>
                 </a:r>
                 <a14:m>
@@ -12161,7 +12140,7 @@
                   </m:oMath>
                 </a14:m>
                 <a:r>
-                  <a:rPr lang="en-US" altLang="zh-TW" sz="800" dirty="0" smtClean="0"/>
+                  <a:rPr lang="en-US" altLang="zh-TW" sz="800" dirty="0"/>
                   <a:t>)</a:t>
                 </a:r>
                 <a:endParaRPr lang="zh-TW" altLang="en-US" sz="800" dirty="0"/>
@@ -12487,7 +12466,7 @@
           <a:lstStyle/>
           <a:p>
             <a:r>
-              <a:rPr lang="en-US" altLang="zh-TW" sz="2400" dirty="0" smtClean="0"/>
+              <a:rPr lang="en-US" altLang="zh-TW" sz="2400" dirty="0"/>
               <a:t>Figure 6-3</a:t>
             </a:r>
             <a:endParaRPr lang="zh-TW" altLang="en-US" sz="2400" dirty="0"/>
@@ -12562,8 +12541,8 @@
           </a:fontRef>
         </p:style>
       </p:cxnSp>
-      <mc:AlternateContent xmlns:mc="http://schemas.openxmlformats.org/markup-compatibility/2006">
-        <mc:Choice xmlns:a14="http://schemas.microsoft.com/office/drawing/2010/main" Requires="a14">
+      <mc:AlternateContent xmlns:mc="http://schemas.openxmlformats.org/markup-compatibility/2006" xmlns:a14="http://schemas.microsoft.com/office/drawing/2010/main">
+        <mc:Choice Requires="a14">
           <p:sp>
             <p:nvSpPr>
               <p:cNvPr id="12" name="TextBox 11"/>
@@ -12644,7 +12623,7 @@
             </p:txBody>
           </p:sp>
         </mc:Choice>
-        <mc:Fallback>
+        <mc:Fallback xmlns="">
           <p:sp>
             <p:nvSpPr>
               <p:cNvPr id="12" name="TextBox 11"/>
@@ -12757,8 +12736,8 @@
           </a:fontRef>
         </p:style>
       </p:cxnSp>
-      <mc:AlternateContent xmlns:mc="http://schemas.openxmlformats.org/markup-compatibility/2006">
-        <mc:Choice xmlns:a14="http://schemas.microsoft.com/office/drawing/2010/main" Requires="a14">
+      <mc:AlternateContent xmlns:mc="http://schemas.openxmlformats.org/markup-compatibility/2006" xmlns:a14="http://schemas.microsoft.com/office/drawing/2010/main">
+        <mc:Choice Requires="a14">
           <p:sp>
             <p:nvSpPr>
               <p:cNvPr id="21" name="TextBox 20"/>
@@ -12907,13 +12886,13 @@
                     </m:oMath>
                   </m:oMathPara>
                 </a14:m>
-                <a:endParaRPr lang="en-US" sz="800" b="0" i="1" dirty="0" smtClean="0">
+                <a:endParaRPr lang="en-US" sz="800" b="0" i="1" dirty="0">
                   <a:latin typeface="Cambria Math" panose="02040503050406030204" pitchFamily="18" charset="0"/>
                 </a:endParaRPr>
               </a:p>
               <a:p>
                 <a:r>
-                  <a:rPr lang="en-US" sz="800" b="0" dirty="0" smtClean="0"/>
+                  <a:rPr lang="en-US" sz="800" b="0" dirty="0"/>
                   <a:t>      </a:t>
                 </a:r>
                 <a14:m>
@@ -12931,7 +12910,7 @@
             </p:txBody>
           </p:sp>
         </mc:Choice>
-        <mc:Fallback>
+        <mc:Fallback xmlns="">
           <p:sp>
             <p:nvSpPr>
               <p:cNvPr id="21" name="TextBox 20"/>
@@ -12993,7 +12972,7 @@
           <a:lstStyle/>
           <a:p>
             <a:r>
-              <a:rPr lang="en-US" altLang="zh-TW" sz="2400" dirty="0" smtClean="0"/>
+              <a:rPr lang="en-US" altLang="zh-TW" sz="2400" dirty="0"/>
               <a:t>Figure 6-4</a:t>
             </a:r>
             <a:endParaRPr lang="zh-TW" altLang="en-US" sz="2400" dirty="0"/>
@@ -13065,31 +13044,7 @@
                         <a:rPr lang="en-US" sz="800" b="0" i="1" smtClean="0">
                           <a:latin typeface="Cambria Math" panose="02040503050406030204" pitchFamily="18" charset="0"/>
                         </a:rPr>
-                        <m:t>(</m:t>
-                      </m:r>
-                      <m:r>
-                        <a:rPr lang="en-US" sz="800" b="0" i="1" smtClean="0">
-                          <a:latin typeface="Cambria Math" panose="02040503050406030204" pitchFamily="18" charset="0"/>
-                        </a:rPr>
-                        <m:t>0</m:t>
-                      </m:r>
-                      <m:r>
-                        <a:rPr lang="en-US" sz="800" b="0" i="1" smtClean="0">
-                          <a:latin typeface="Cambria Math" panose="02040503050406030204" pitchFamily="18" charset="0"/>
-                        </a:rPr>
-                        <m:t>, </m:t>
-                      </m:r>
-                      <m:r>
-                        <a:rPr lang="en-US" sz="800" b="0" i="1" smtClean="0">
-                          <a:latin typeface="Cambria Math" panose="02040503050406030204" pitchFamily="18" charset="0"/>
-                        </a:rPr>
-                        <m:t>0</m:t>
-                      </m:r>
-                      <m:r>
-                        <a:rPr lang="en-US" sz="800" b="0" i="1" smtClean="0">
-                          <a:latin typeface="Cambria Math" panose="02040503050406030204" pitchFamily="18" charset="0"/>
-                        </a:rPr>
-                        <m:t>)</m:t>
+                        <m:t>(0, 0)</m:t>
                       </m:r>
                     </m:oMath>
                   </m:oMathPara>
@@ -13315,8 +13270,8 @@
           </p:sp>
         </mc:Fallback>
       </mc:AlternateContent>
-      <mc:AlternateContent xmlns:mc="http://schemas.openxmlformats.org/markup-compatibility/2006">
-        <mc:Choice xmlns:a14="http://schemas.microsoft.com/office/drawing/2010/main" Requires="a14">
+      <mc:AlternateContent xmlns:mc="http://schemas.openxmlformats.org/markup-compatibility/2006" xmlns:a14="http://schemas.microsoft.com/office/drawing/2010/main">
+        <mc:Choice Requires="a14">
           <p:sp>
             <p:nvSpPr>
               <p:cNvPr id="18" name="TextBox 17"/>
@@ -13381,7 +13336,7 @@
                   </m:oMath>
                 </a14:m>
                 <a:r>
-                  <a:rPr lang="en-US" sz="800" dirty="0" smtClean="0"/>
+                  <a:rPr lang="en-US" sz="800" dirty="0"/>
                   <a:t> </a:t>
                 </a:r>
                 <a:r>
@@ -13449,7 +13404,7 @@
                   </m:oMath>
                 </a14:m>
                 <a:r>
-                  <a:rPr lang="en-US" altLang="zh-TW" sz="800" dirty="0" smtClean="0"/>
+                  <a:rPr lang="en-US" altLang="zh-TW" sz="800" dirty="0"/>
                   <a:t>)</a:t>
                 </a:r>
                 <a:endParaRPr lang="zh-TW" altLang="en-US" sz="800" dirty="0"/>
@@ -13457,7 +13412,7 @@
             </p:txBody>
           </p:sp>
         </mc:Choice>
-        <mc:Fallback>
+        <mc:Fallback xmlns="">
           <p:sp>
             <p:nvSpPr>
               <p:cNvPr id="18" name="TextBox 17"/>
@@ -13543,7 +13498,7 @@
                   </m:oMath>
                 </a14:m>
                 <a:r>
-                  <a:rPr lang="en-US" altLang="zh-TW" sz="800" dirty="0" smtClean="0"/>
+                  <a:rPr lang="en-US" altLang="zh-TW" sz="800" dirty="0"/>
                   <a:t>  (</a:t>
                 </a:r>
                 <a14:m>
@@ -13607,7 +13562,7 @@
                   </m:oMath>
                 </a14:m>
                 <a:r>
-                  <a:rPr lang="en-US" altLang="zh-TW" sz="800" dirty="0" smtClean="0"/>
+                  <a:rPr lang="en-US" altLang="zh-TW" sz="800" dirty="0"/>
                   <a:t>)</a:t>
                 </a:r>
                 <a:endParaRPr lang="zh-TW" altLang="en-US" sz="800" dirty="0"/>
@@ -14204,7 +14159,7 @@
           <a:lstStyle/>
           <a:p>
             <a:r>
-              <a:rPr lang="en-US" altLang="zh-TW" sz="2400" dirty="0" smtClean="0"/>
+              <a:rPr lang="en-US" altLang="zh-TW" sz="2400" dirty="0"/>
               <a:t>Figure 6-5</a:t>
             </a:r>
             <a:endParaRPr lang="zh-TW" altLang="en-US" sz="2400" dirty="0"/>
@@ -14293,8 +14248,8 @@
             </a:fontRef>
           </p:style>
         </p:cxnSp>
-        <mc:AlternateContent xmlns:mc="http://schemas.openxmlformats.org/markup-compatibility/2006">
-          <mc:Choice xmlns:a14="http://schemas.microsoft.com/office/drawing/2010/main" Requires="a14">
+        <mc:AlternateContent xmlns:mc="http://schemas.openxmlformats.org/markup-compatibility/2006" xmlns:a14="http://schemas.microsoft.com/office/drawing/2010/main">
+          <mc:Choice Requires="a14">
             <p:sp>
               <p:nvSpPr>
                 <p:cNvPr id="12" name="TextBox 11"/>
@@ -14369,7 +14324,7 @@
               </p:txBody>
             </p:sp>
           </mc:Choice>
-          <mc:Fallback>
+          <mc:Fallback xmlns="">
             <p:sp>
               <p:nvSpPr>
                 <p:cNvPr id="12" name="TextBox 11"/>
@@ -14629,8 +14584,8 @@
             </a:p>
           </p:txBody>
         </p:sp>
-        <mc:AlternateContent xmlns:mc="http://schemas.openxmlformats.org/markup-compatibility/2006">
-          <mc:Choice xmlns:a14="http://schemas.microsoft.com/office/drawing/2010/main" Requires="a14">
+        <mc:AlternateContent xmlns:mc="http://schemas.openxmlformats.org/markup-compatibility/2006" xmlns:a14="http://schemas.microsoft.com/office/drawing/2010/main">
+          <mc:Choice Requires="a14">
             <p:sp>
               <p:nvSpPr>
                 <p:cNvPr id="13" name="TextBox 12"/>
@@ -14705,7 +14660,7 @@
               </p:txBody>
             </p:sp>
           </mc:Choice>
-          <mc:Fallback>
+          <mc:Fallback xmlns="">
             <p:sp>
               <p:nvSpPr>
                 <p:cNvPr id="13" name="TextBox 12"/>
@@ -15157,8 +15112,8 @@
               </p:sp>
             </mc:Fallback>
           </mc:AlternateContent>
-          <mc:AlternateContent xmlns:mc="http://schemas.openxmlformats.org/markup-compatibility/2006">
-            <mc:Choice xmlns:a14="http://schemas.microsoft.com/office/drawing/2010/main" Requires="a14">
+          <mc:AlternateContent xmlns:mc="http://schemas.openxmlformats.org/markup-compatibility/2006" xmlns:a14="http://schemas.microsoft.com/office/drawing/2010/main">
+            <mc:Choice Requires="a14">
               <p:sp>
                 <p:nvSpPr>
                   <p:cNvPr id="25" name="TextBox 24"/>
@@ -15233,7 +15188,7 @@
                 </p:txBody>
               </p:sp>
             </mc:Choice>
-            <mc:Fallback>
+            <mc:Fallback xmlns="">
               <p:sp>
                 <p:nvSpPr>
                   <p:cNvPr id="25" name="TextBox 24"/>
@@ -15399,7 +15354,7 @@
           <a:lstStyle/>
           <a:p>
             <a:r>
-              <a:rPr lang="en-US" altLang="zh-TW" sz="2400" dirty="0" smtClean="0"/>
+              <a:rPr lang="en-US" altLang="zh-TW" sz="2400" dirty="0"/>
               <a:t>Figure 6-6</a:t>
             </a:r>
             <a:endParaRPr lang="zh-TW" altLang="en-US" sz="2400" dirty="0"/>
@@ -15613,8 +15568,8 @@
           </p:sp>
         </mc:Fallback>
       </mc:AlternateContent>
-      <mc:AlternateContent xmlns:mc="http://schemas.openxmlformats.org/markup-compatibility/2006">
-        <mc:Choice xmlns:a14="http://schemas.microsoft.com/office/drawing/2010/main" Requires="a14">
+      <mc:AlternateContent xmlns:mc="http://schemas.openxmlformats.org/markup-compatibility/2006" xmlns:a14="http://schemas.microsoft.com/office/drawing/2010/main">
+        <mc:Choice Requires="a14">
           <p:sp>
             <p:nvSpPr>
               <p:cNvPr id="18" name="TextBox 17"/>
@@ -15679,7 +15634,7 @@
                   </m:oMath>
                 </a14:m>
                 <a:r>
-                  <a:rPr lang="en-US" sz="800" dirty="0" smtClean="0"/>
+                  <a:rPr lang="en-US" sz="800" dirty="0"/>
                   <a:t> </a:t>
                 </a:r>
                 <a:r>
@@ -15747,7 +15702,7 @@
                   </m:oMath>
                 </a14:m>
                 <a:r>
-                  <a:rPr lang="en-US" altLang="zh-TW" sz="800" dirty="0" smtClean="0"/>
+                  <a:rPr lang="en-US" altLang="zh-TW" sz="800" dirty="0"/>
                   <a:t>)</a:t>
                 </a:r>
                 <a:endParaRPr lang="zh-TW" altLang="en-US" sz="800" dirty="0"/>
@@ -15755,7 +15710,7 @@
             </p:txBody>
           </p:sp>
         </mc:Choice>
-        <mc:Fallback>
+        <mc:Fallback xmlns="">
           <p:sp>
             <p:nvSpPr>
               <p:cNvPr id="18" name="TextBox 17"/>
@@ -15832,8 +15787,8 @@
           </a:fontRef>
         </p:style>
       </p:cxnSp>
-      <mc:AlternateContent xmlns:mc="http://schemas.openxmlformats.org/markup-compatibility/2006">
-        <mc:Choice xmlns:a14="http://schemas.microsoft.com/office/drawing/2010/main" Requires="a14">
+      <mc:AlternateContent xmlns:mc="http://schemas.openxmlformats.org/markup-compatibility/2006" xmlns:a14="http://schemas.microsoft.com/office/drawing/2010/main">
+        <mc:Choice Requires="a14">
           <p:sp>
             <p:nvSpPr>
               <p:cNvPr id="14" name="TextBox 13"/>
@@ -15898,7 +15853,7 @@
                   </m:oMath>
                 </a14:m>
                 <a:r>
-                  <a:rPr lang="en-US" sz="800" dirty="0" smtClean="0"/>
+                  <a:rPr lang="en-US" sz="800" dirty="0"/>
                   <a:t> </a:t>
                 </a:r>
                 <a:r>
@@ -15966,7 +15921,7 @@
                   </m:oMath>
                 </a14:m>
                 <a:r>
-                  <a:rPr lang="en-US" altLang="zh-TW" sz="800" dirty="0" smtClean="0"/>
+                  <a:rPr lang="en-US" altLang="zh-TW" sz="800" dirty="0"/>
                   <a:t>)</a:t>
                 </a:r>
                 <a:endParaRPr lang="zh-TW" altLang="en-US" sz="800" dirty="0"/>
@@ -15974,7 +15929,7 @@
             </p:txBody>
           </p:sp>
         </mc:Choice>
-        <mc:Fallback>
+        <mc:Fallback xmlns="">
           <p:sp>
             <p:nvSpPr>
               <p:cNvPr id="14" name="TextBox 13"/>
@@ -16036,7 +15991,7 @@
           <a:lstStyle/>
           <a:p>
             <a:r>
-              <a:rPr lang="en-US" altLang="zh-TW" sz="2400" dirty="0" smtClean="0"/>
+              <a:rPr lang="en-US" altLang="zh-TW" sz="2400" dirty="0"/>
               <a:t>Figure 6-7</a:t>
             </a:r>
             <a:endParaRPr lang="zh-TW" altLang="en-US" sz="2400" dirty="0"/>
@@ -16111,8 +16066,8 @@
           </a:fontRef>
         </p:style>
       </p:cxnSp>
-      <mc:AlternateContent xmlns:mc="http://schemas.openxmlformats.org/markup-compatibility/2006">
-        <mc:Choice xmlns:a14="http://schemas.microsoft.com/office/drawing/2010/main" Requires="a14">
+      <mc:AlternateContent xmlns:mc="http://schemas.openxmlformats.org/markup-compatibility/2006" xmlns:a14="http://schemas.microsoft.com/office/drawing/2010/main">
+        <mc:Choice Requires="a14">
           <p:sp>
             <p:nvSpPr>
               <p:cNvPr id="18" name="TextBox 17"/>
@@ -16177,7 +16132,7 @@
                   </m:oMath>
                 </a14:m>
                 <a:r>
-                  <a:rPr lang="en-US" sz="800" dirty="0" smtClean="0"/>
+                  <a:rPr lang="en-US" sz="800" dirty="0"/>
                   <a:t> </a:t>
                 </a:r>
                 <a:r>
@@ -16245,7 +16200,7 @@
                   </m:oMath>
                 </a14:m>
                 <a:r>
-                  <a:rPr lang="en-US" altLang="zh-TW" sz="800" dirty="0" smtClean="0"/>
+                  <a:rPr lang="en-US" altLang="zh-TW" sz="800" dirty="0"/>
                   <a:t>)</a:t>
                 </a:r>
                 <a:endParaRPr lang="zh-TW" altLang="en-US" sz="800" dirty="0"/>
@@ -16253,7 +16208,7 @@
             </p:txBody>
           </p:sp>
         </mc:Choice>
-        <mc:Fallback>
+        <mc:Fallback xmlns="">
           <p:sp>
             <p:nvSpPr>
               <p:cNvPr id="18" name="TextBox 17"/>
@@ -16330,8 +16285,8 @@
           </a:fontRef>
         </p:style>
       </p:cxnSp>
-      <mc:AlternateContent xmlns:mc="http://schemas.openxmlformats.org/markup-compatibility/2006">
-        <mc:Choice xmlns:a14="http://schemas.microsoft.com/office/drawing/2010/main" Requires="a14">
+      <mc:AlternateContent xmlns:mc="http://schemas.openxmlformats.org/markup-compatibility/2006" xmlns:a14="http://schemas.microsoft.com/office/drawing/2010/main">
+        <mc:Choice Requires="a14">
           <p:sp>
             <p:nvSpPr>
               <p:cNvPr id="14" name="TextBox 13"/>
@@ -16396,7 +16351,7 @@
                   </m:oMath>
                 </a14:m>
                 <a:r>
-                  <a:rPr lang="en-US" sz="800" dirty="0" smtClean="0"/>
+                  <a:rPr lang="en-US" sz="800" dirty="0"/>
                   <a:t> </a:t>
                 </a:r>
                 <a:r>
@@ -16464,7 +16419,7 @@
                   </m:oMath>
                 </a14:m>
                 <a:r>
-                  <a:rPr lang="en-US" altLang="zh-TW" sz="800" dirty="0" smtClean="0"/>
+                  <a:rPr lang="en-US" altLang="zh-TW" sz="800" dirty="0"/>
                   <a:t>)</a:t>
                 </a:r>
                 <a:endParaRPr lang="zh-TW" altLang="en-US" sz="800" dirty="0"/>
@@ -16472,7 +16427,7 @@
             </p:txBody>
           </p:sp>
         </mc:Choice>
-        <mc:Fallback>
+        <mc:Fallback xmlns="">
           <p:sp>
             <p:nvSpPr>
               <p:cNvPr id="14" name="TextBox 13"/>
@@ -16742,8 +16697,8 @@
           </a:fontRef>
         </p:style>
       </p:cxnSp>
-      <mc:AlternateContent xmlns:mc="http://schemas.openxmlformats.org/markup-compatibility/2006">
-        <mc:Choice xmlns:a14="http://schemas.microsoft.com/office/drawing/2010/main" Requires="a14">
+      <mc:AlternateContent xmlns:mc="http://schemas.openxmlformats.org/markup-compatibility/2006" xmlns:a14="http://schemas.microsoft.com/office/drawing/2010/main">
+        <mc:Choice Requires="a14">
           <p:sp>
             <p:nvSpPr>
               <p:cNvPr id="22" name="TextBox 21"/>
@@ -16905,7 +16860,7 @@
             </p:txBody>
           </p:sp>
         </mc:Choice>
-        <mc:Fallback>
+        <mc:Fallback xmlns="">
           <p:sp>
             <p:nvSpPr>
               <p:cNvPr id="22" name="TextBox 21"/>
@@ -16952,7 +16907,7 @@
         </p:nvSpPr>
         <p:spPr>
           <a:xfrm>
-            <a:off x="2424174" y="4423660"/>
+            <a:off x="762000" y="5105400"/>
             <a:ext cx="3589153" cy="461665"/>
           </a:xfrm>
           <a:prstGeom prst="rect">
@@ -16967,13 +16922,279 @@
           <a:lstStyle/>
           <a:p>
             <a:r>
-              <a:rPr lang="en-US" altLang="zh-TW" sz="2400" dirty="0" smtClean="0"/>
+              <a:rPr lang="en-US" altLang="zh-TW" sz="2400" dirty="0"/>
               <a:t>Figure 6-8</a:t>
             </a:r>
             <a:endParaRPr lang="zh-TW" altLang="en-US" sz="2400" dirty="0"/>
           </a:p>
         </p:txBody>
       </p:sp>
+      <p:cxnSp>
+        <p:nvCxnSpPr>
+          <p:cNvPr id="16" name="Straight Arrow Connector 15">
+            <a:extLst>
+              <a:ext uri="{FF2B5EF4-FFF2-40B4-BE49-F238E27FC236}">
+                <a16:creationId xmlns:a16="http://schemas.microsoft.com/office/drawing/2014/main" id="{AC7BD2BA-3372-407B-8C4A-099C52716616}"/>
+              </a:ext>
+            </a:extLst>
+          </p:cNvPr>
+          <p:cNvCxnSpPr>
+            <a:cxnSpLocks/>
+          </p:cNvCxnSpPr>
+          <p:nvPr/>
+        </p:nvCxnSpPr>
+        <p:spPr>
+          <a:xfrm rot="10800000" flipH="1" flipV="1">
+            <a:off x="3007873" y="3741187"/>
+            <a:ext cx="112272" cy="1295032"/>
+          </a:xfrm>
+          <a:prstGeom prst="straightConnector1">
+            <a:avLst/>
+          </a:prstGeom>
+          <a:ln w="25400">
+            <a:solidFill>
+              <a:schemeClr val="tx1"/>
+            </a:solidFill>
+            <a:prstDash val="sysDash"/>
+            <a:headEnd type="none" w="sm" len="sm"/>
+            <a:tailEnd type="triangle" w="med" len="lg"/>
+          </a:ln>
+        </p:spPr>
+        <p:style>
+          <a:lnRef idx="1">
+            <a:schemeClr val="accent1"/>
+          </a:lnRef>
+          <a:fillRef idx="0">
+            <a:schemeClr val="accent1"/>
+          </a:fillRef>
+          <a:effectRef idx="0">
+            <a:schemeClr val="accent1"/>
+          </a:effectRef>
+          <a:fontRef idx="minor">
+            <a:schemeClr val="tx1"/>
+          </a:fontRef>
+        </p:style>
+      </p:cxnSp>
+      <mc:AlternateContent xmlns:mc="http://schemas.openxmlformats.org/markup-compatibility/2006">
+        <mc:Choice xmlns:a14="http://schemas.microsoft.com/office/drawing/2010/main" Requires="a14">
+          <p:sp>
+            <p:nvSpPr>
+              <p:cNvPr id="23" name="TextBox 22">
+                <a:extLst>
+                  <a:ext uri="{FF2B5EF4-FFF2-40B4-BE49-F238E27FC236}">
+                    <a16:creationId xmlns:a16="http://schemas.microsoft.com/office/drawing/2014/main" id="{30ADEC9C-11F1-40A6-8068-EB59C5AB351F}"/>
+                  </a:ext>
+                </a:extLst>
+              </p:cNvPr>
+              <p:cNvSpPr txBox="1"/>
+              <p:nvPr/>
+            </p:nvSpPr>
+            <p:spPr>
+              <a:xfrm>
+                <a:off x="2954912" y="4726095"/>
+                <a:ext cx="990600" cy="230256"/>
+              </a:xfrm>
+              <a:prstGeom prst="rect">
+                <a:avLst/>
+              </a:prstGeom>
+              <a:noFill/>
+            </p:spPr>
+            <p:txBody>
+              <a:bodyPr wrap="square" rtlCol="0">
+                <a:spAutoFit/>
+              </a:bodyPr>
+              <a:lstStyle/>
+              <a:p>
+                <a:pPr/>
+                <a14:m>
+                  <m:oMathPara xmlns:m="http://schemas.openxmlformats.org/officeDocument/2006/math">
+                    <m:oMathParaPr>
+                      <m:jc m:val="centerGroup"/>
+                    </m:oMathParaPr>
+                    <m:oMath xmlns:m="http://schemas.openxmlformats.org/officeDocument/2006/math">
+                      <m:sSub>
+                        <m:sSubPr>
+                          <m:ctrlPr>
+                            <a:rPr lang="en-US" sz="800" i="1" smtClean="0">
+                              <a:latin typeface="Cambria Math" panose="02040503050406030204" pitchFamily="18" charset="0"/>
+                            </a:rPr>
+                          </m:ctrlPr>
+                        </m:sSubPr>
+                        <m:e>
+                          <m:r>
+                            <a:rPr lang="en-US" sz="800" b="0" i="1" smtClean="0">
+                              <a:latin typeface="Cambria Math" panose="02040503050406030204" pitchFamily="18" charset="0"/>
+                            </a:rPr>
+                            <m:t>−</m:t>
+                          </m:r>
+                          <m:acc>
+                            <m:accPr>
+                              <m:chr m:val="⃑"/>
+                              <m:ctrlPr>
+                                <a:rPr lang="en-US" sz="800" i="1">
+                                  <a:latin typeface="Cambria Math" panose="02040503050406030204" pitchFamily="18" charset="0"/>
+                                </a:rPr>
+                              </m:ctrlPr>
+                            </m:accPr>
+                            <m:e>
+                              <m:r>
+                                <a:rPr lang="en-US" sz="800" i="1">
+                                  <a:latin typeface="Cambria Math"/>
+                                </a:rPr>
+                                <m:t>𝑉</m:t>
+                              </m:r>
+                            </m:e>
+                          </m:acc>
+                        </m:e>
+                        <m:sub>
+                          <m:r>
+                            <a:rPr lang="en-US" sz="800" b="0" i="1" smtClean="0">
+                              <a:latin typeface="Cambria Math" panose="02040503050406030204" pitchFamily="18" charset="0"/>
+                            </a:rPr>
+                            <m:t>3</m:t>
+                          </m:r>
+                        </m:sub>
+                      </m:sSub>
+                      <m:r>
+                        <a:rPr lang="en-US" sz="800" b="0" i="0" smtClean="0">
+                          <a:latin typeface="Cambria Math" panose="02040503050406030204" pitchFamily="18" charset="0"/>
+                        </a:rPr>
+                        <m:t>=</m:t>
+                      </m:r>
+                      <m:sSub>
+                        <m:sSubPr>
+                          <m:ctrlPr>
+                            <a:rPr lang="en-US" sz="800" i="1">
+                              <a:latin typeface="Cambria Math" panose="02040503050406030204" pitchFamily="18" charset="0"/>
+                            </a:rPr>
+                          </m:ctrlPr>
+                        </m:sSubPr>
+                        <m:e>
+                          <m:acc>
+                            <m:accPr>
+                              <m:chr m:val="⃑"/>
+                              <m:ctrlPr>
+                                <a:rPr lang="en-US" sz="800" i="1">
+                                  <a:latin typeface="Cambria Math" panose="02040503050406030204" pitchFamily="18" charset="0"/>
+                                </a:rPr>
+                              </m:ctrlPr>
+                            </m:accPr>
+                            <m:e>
+                              <m:r>
+                                <a:rPr lang="en-US" sz="800" i="1">
+                                  <a:latin typeface="Cambria Math"/>
+                                </a:rPr>
+                                <m:t>𝑉</m:t>
+                              </m:r>
+                            </m:e>
+                          </m:acc>
+                        </m:e>
+                        <m:sub>
+                          <m:r>
+                            <a:rPr lang="en-US" sz="800" b="0" i="1" smtClean="0">
+                              <a:latin typeface="Cambria Math" panose="02040503050406030204" pitchFamily="18" charset="0"/>
+                            </a:rPr>
+                            <m:t>2</m:t>
+                          </m:r>
+                        </m:sub>
+                      </m:sSub>
+                      <m:r>
+                        <a:rPr lang="en-US" sz="800" i="1" smtClean="0">
+                          <a:latin typeface="Cambria Math" panose="02040503050406030204" pitchFamily="18" charset="0"/>
+                          <a:ea typeface="Cambria Math" panose="02040503050406030204" pitchFamily="18" charset="0"/>
+                        </a:rPr>
+                        <m:t>×</m:t>
+                      </m:r>
+                      <m:sSub>
+                        <m:sSubPr>
+                          <m:ctrlPr>
+                            <a:rPr lang="en-US" sz="800" i="1">
+                              <a:latin typeface="Cambria Math" panose="02040503050406030204" pitchFamily="18" charset="0"/>
+                            </a:rPr>
+                          </m:ctrlPr>
+                        </m:sSubPr>
+                        <m:e>
+                          <m:acc>
+                            <m:accPr>
+                              <m:chr m:val="⃑"/>
+                              <m:ctrlPr>
+                                <a:rPr lang="en-US" sz="800" i="1">
+                                  <a:latin typeface="Cambria Math" panose="02040503050406030204" pitchFamily="18" charset="0"/>
+                                </a:rPr>
+                              </m:ctrlPr>
+                            </m:accPr>
+                            <m:e>
+                              <m:r>
+                                <a:rPr lang="en-US" sz="800" i="1">
+                                  <a:latin typeface="Cambria Math"/>
+                                </a:rPr>
+                                <m:t>𝑉</m:t>
+                              </m:r>
+                            </m:e>
+                          </m:acc>
+                        </m:e>
+                        <m:sub>
+                          <m:r>
+                            <a:rPr lang="en-US" sz="800" b="0" i="1" smtClean="0">
+                              <a:latin typeface="Cambria Math" panose="02040503050406030204" pitchFamily="18" charset="0"/>
+                            </a:rPr>
+                            <m:t>1</m:t>
+                          </m:r>
+                        </m:sub>
+                      </m:sSub>
+                    </m:oMath>
+                  </m:oMathPara>
+                </a14:m>
+                <a:endParaRPr lang="zh-TW" altLang="en-US" sz="800" dirty="0"/>
+              </a:p>
+            </p:txBody>
+          </p:sp>
+        </mc:Choice>
+        <mc:Fallback>
+          <p:sp>
+            <p:nvSpPr>
+              <p:cNvPr id="23" name="TextBox 22">
+                <a:extLst>
+                  <a:ext uri="{FF2B5EF4-FFF2-40B4-BE49-F238E27FC236}">
+                    <a16:creationId xmlns:a16="http://schemas.microsoft.com/office/drawing/2014/main" id="{30ADEC9C-11F1-40A6-8068-EB59C5AB351F}"/>
+                  </a:ext>
+                </a:extLst>
+              </p:cNvPr>
+              <p:cNvSpPr txBox="1">
+                <a:spLocks noRot="1" noChangeAspect="1" noMove="1" noResize="1" noEditPoints="1" noAdjustHandles="1" noChangeArrowheads="1" noChangeShapeType="1" noTextEdit="1"/>
+              </p:cNvSpPr>
+              <p:nvPr/>
+            </p:nvSpPr>
+            <p:spPr>
+              <a:xfrm>
+                <a:off x="2954912" y="4726095"/>
+                <a:ext cx="990600" cy="230256"/>
+              </a:xfrm>
+              <a:prstGeom prst="rect">
+                <a:avLst/>
+              </a:prstGeom>
+              <a:blipFill>
+                <a:blip r:embed="rId5"/>
+                <a:stretch>
+                  <a:fillRect/>
+                </a:stretch>
+              </a:blipFill>
+            </p:spPr>
+            <p:txBody>
+              <a:bodyPr/>
+              <a:lstStyle/>
+              <a:p>
+                <a:r>
+                  <a:rPr lang="en-US">
+                    <a:noFill/>
+                  </a:rPr>
+                  <a:t> </a:t>
+                </a:r>
+              </a:p>
+            </p:txBody>
+          </p:sp>
+        </mc:Fallback>
+      </mc:AlternateContent>
     </p:spTree>
     <p:extLst>
       <p:ext uri="{BB962C8B-B14F-4D97-AF65-F5344CB8AC3E}">
@@ -17103,7 +17324,7 @@
           <a:lstStyle/>
           <a:p>
             <a:r>
-              <a:rPr lang="en-US" sz="800" dirty="0" err="1" smtClean="0"/>
+              <a:rPr lang="en-US" sz="800" dirty="0" err="1"/>
               <a:t>fdir</a:t>
             </a:r>
             <a:endParaRPr lang="zh-TW" altLang="en-US" sz="800" dirty="0"/>
@@ -17330,7 +17551,7 @@
           <a:lstStyle/>
           <a:p>
             <a:r>
-              <a:rPr lang="en-US" sz="800" dirty="0" err="1" smtClean="0"/>
+              <a:rPr lang="en-US" sz="800" dirty="0" err="1"/>
               <a:t>dir</a:t>
             </a:r>
             <a:endParaRPr lang="zh-TW" altLang="en-US" sz="800" dirty="0"/>
@@ -17360,11 +17581,11 @@
           <a:lstStyle/>
           <a:p>
             <a:r>
-              <a:rPr lang="en-US" altLang="zh-TW" sz="800" dirty="0" smtClean="0"/>
+              <a:rPr lang="en-US" altLang="zh-TW" sz="800" dirty="0"/>
               <a:t>Current </a:t>
             </a:r>
             <a:r>
-              <a:rPr lang="en-US" altLang="zh-TW" sz="800" dirty="0" err="1" smtClean="0"/>
+              <a:rPr lang="en-US" altLang="zh-TW" sz="800" dirty="0" err="1"/>
               <a:t>GameObject</a:t>
             </a:r>
             <a:endParaRPr lang="zh-TW" altLang="en-US" sz="800" dirty="0"/>
@@ -17394,7 +17615,7 @@
           <a:lstStyle/>
           <a:p>
             <a:r>
-              <a:rPr lang="en-US" altLang="zh-TW" sz="2400" dirty="0" smtClean="0"/>
+              <a:rPr lang="en-US" altLang="zh-TW" sz="2400" dirty="0"/>
               <a:t>Figure 6-10</a:t>
             </a:r>
             <a:endParaRPr lang="zh-TW" altLang="en-US" sz="2400" dirty="0"/>
